--- a/05.Premenne_Vstup_DatoveTypy_Konstanty/4.Premenne_Vstup_DatoveTypy_Konstanty_Pretypovanie.pptx
+++ b/05.Premenne_Vstup_DatoveTypy_Konstanty/4.Premenne_Vstup_DatoveTypy_Konstanty_Pretypovanie.pptx
@@ -1929,6 +1929,13 @@
         </dgm:presLayoutVars>
       </dgm:prSet>
       <dgm:spPr/>
+      <dgm:t>
+        <a:bodyPr/>
+        <a:lstStyle/>
+        <a:p>
+          <a:endParaRPr lang="sk-SK"/>
+        </a:p>
+      </dgm:t>
     </dgm:pt>
     <dgm:pt modelId="{73900A90-E438-4A8F-8F5E-FFEC911C7CA0}" type="pres">
       <dgm:prSet presAssocID="{F02FA1C3-158A-4BDC-85A0-44FCED13694A}" presName="parentText" presStyleLbl="node1" presStyleIdx="0" presStyleCnt="6">
@@ -1938,6 +1945,13 @@
         </dgm:presLayoutVars>
       </dgm:prSet>
       <dgm:spPr/>
+      <dgm:t>
+        <a:bodyPr/>
+        <a:lstStyle/>
+        <a:p>
+          <a:endParaRPr lang="sk-SK"/>
+        </a:p>
+      </dgm:t>
     </dgm:pt>
     <dgm:pt modelId="{6697897E-458B-49BC-9DD7-429111204DA6}" type="pres">
       <dgm:prSet presAssocID="{5B154557-072F-4A7A-B647-2F8670A763DC}" presName="spacer" presStyleCnt="0"/>
@@ -1951,6 +1965,13 @@
         </dgm:presLayoutVars>
       </dgm:prSet>
       <dgm:spPr/>
+      <dgm:t>
+        <a:bodyPr/>
+        <a:lstStyle/>
+        <a:p>
+          <a:endParaRPr lang="sk-SK"/>
+        </a:p>
+      </dgm:t>
     </dgm:pt>
     <dgm:pt modelId="{E9CC6110-CB77-4917-B3B9-B73D023C57B5}" type="pres">
       <dgm:prSet presAssocID="{AE910980-56B1-4BDC-8103-94EF8298AFA8}" presName="spacer" presStyleCnt="0"/>
@@ -1964,6 +1985,13 @@
         </dgm:presLayoutVars>
       </dgm:prSet>
       <dgm:spPr/>
+      <dgm:t>
+        <a:bodyPr/>
+        <a:lstStyle/>
+        <a:p>
+          <a:endParaRPr lang="sk-SK"/>
+        </a:p>
+      </dgm:t>
     </dgm:pt>
     <dgm:pt modelId="{07C87194-6058-476A-B4CB-7E4471BA402E}" type="pres">
       <dgm:prSet presAssocID="{DF7C94BD-5107-436F-9A30-5C02F74EF55A}" presName="spacer" presStyleCnt="0"/>
@@ -1977,6 +2005,13 @@
         </dgm:presLayoutVars>
       </dgm:prSet>
       <dgm:spPr/>
+      <dgm:t>
+        <a:bodyPr/>
+        <a:lstStyle/>
+        <a:p>
+          <a:endParaRPr lang="sk-SK"/>
+        </a:p>
+      </dgm:t>
     </dgm:pt>
     <dgm:pt modelId="{EBF89D7D-47D1-41D9-AAC3-11C52DC5DBA6}" type="pres">
       <dgm:prSet presAssocID="{06EA897F-95E5-43D8-8DD2-985CD57BDB03}" presName="spacer" presStyleCnt="0"/>
@@ -1990,6 +2025,13 @@
         </dgm:presLayoutVars>
       </dgm:prSet>
       <dgm:spPr/>
+      <dgm:t>
+        <a:bodyPr/>
+        <a:lstStyle/>
+        <a:p>
+          <a:endParaRPr lang="sk-SK"/>
+        </a:p>
+      </dgm:t>
     </dgm:pt>
     <dgm:pt modelId="{725FB52F-4139-44E0-84D6-D6AFF1A7A45D}" type="pres">
       <dgm:prSet presAssocID="{27DA07AF-ADC3-4F63-8797-EF6834A1E6CB}" presName="spacer" presStyleCnt="0"/>
@@ -2003,22 +2045,29 @@
         </dgm:presLayoutVars>
       </dgm:prSet>
       <dgm:spPr/>
+      <dgm:t>
+        <a:bodyPr/>
+        <a:lstStyle/>
+        <a:p>
+          <a:endParaRPr lang="sk-SK"/>
+        </a:p>
+      </dgm:t>
     </dgm:pt>
   </dgm:ptLst>
   <dgm:cxnLst>
+    <dgm:cxn modelId="{AAB04FCC-F8C0-46CB-A1A5-A93CBB3B7072}" type="presOf" srcId="{FC2B2E16-4425-4FF6-9455-3A4066AACB76}" destId="{CD9D506F-4272-4361-B913-5225AE17A3F3}" srcOrd="0" destOrd="0" presId="urn:microsoft.com/office/officeart/2005/8/layout/vList2"/>
+    <dgm:cxn modelId="{D71EA7CF-98AF-4E9B-9297-0978AFDCB431}" type="presOf" srcId="{4E731D1F-2ECB-4646-B3AE-1F98F6CE78A9}" destId="{34F7D7A2-E966-4359-95D0-56CD308CFB34}" srcOrd="0" destOrd="0" presId="urn:microsoft.com/office/officeart/2005/8/layout/vList2"/>
     <dgm:cxn modelId="{7D6C2602-F178-4E64-8C73-C0432931ABBD}" srcId="{80DC0281-4F0D-41D4-BEE9-11F313270707}" destId="{4AAFBE88-BADD-4F23-A58C-95C02C0C43A1}" srcOrd="5" destOrd="0" parTransId="{7AFCD82E-26A4-40EA-90B3-A5B9D5016C26}" sibTransId="{375F8166-25B0-4D78-933A-B37BCF4822CB}"/>
+    <dgm:cxn modelId="{CD30A4F0-A16E-4E70-AE57-872F5A0A0CF2}" srcId="{80DC0281-4F0D-41D4-BEE9-11F313270707}" destId="{621B6E6C-73F7-4093-8CB6-C81E7F46777B}" srcOrd="2" destOrd="0" parTransId="{B13D6C7D-1C41-4116-981F-E4A7DE6BA9E6}" sibTransId="{DF7C94BD-5107-436F-9A30-5C02F74EF55A}"/>
+    <dgm:cxn modelId="{142A6DD4-5219-49AF-BA3A-637F7B74C6DF}" srcId="{80DC0281-4F0D-41D4-BEE9-11F313270707}" destId="{FC2B2E16-4425-4FF6-9455-3A4066AACB76}" srcOrd="1" destOrd="0" parTransId="{C0D3AC49-2CB9-4784-91B2-8DB709E00666}" sibTransId="{AE910980-56B1-4BDC-8103-94EF8298AFA8}"/>
+    <dgm:cxn modelId="{36AD99D1-42DF-49C7-A98C-85CFA04ED6B7}" type="presOf" srcId="{621B6E6C-73F7-4093-8CB6-C81E7F46777B}" destId="{F065E269-9DE2-4886-97B5-82C6BBDA1CE7}" srcOrd="0" destOrd="0" presId="urn:microsoft.com/office/officeart/2005/8/layout/vList2"/>
+    <dgm:cxn modelId="{21DF2BA3-6D7D-405D-BB25-DB8620E3AAE4}" srcId="{80DC0281-4F0D-41D4-BEE9-11F313270707}" destId="{F02FA1C3-158A-4BDC-85A0-44FCED13694A}" srcOrd="0" destOrd="0" parTransId="{7741F6CB-5586-4AD3-AED7-C56584FFCB61}" sibTransId="{5B154557-072F-4A7A-B647-2F8670A763DC}"/>
+    <dgm:cxn modelId="{C93039FB-3DC1-4214-BFE6-B1ADBCDEF5B4}" srcId="{80DC0281-4F0D-41D4-BEE9-11F313270707}" destId="{4E731D1F-2ECB-4646-B3AE-1F98F6CE78A9}" srcOrd="3" destOrd="0" parTransId="{976E5E7E-0122-46E7-A1C5-5B627BF086D3}" sibTransId="{06EA897F-95E5-43D8-8DD2-985CD57BDB03}"/>
+    <dgm:cxn modelId="{0E0EDA9C-6F2B-4EBB-8C6F-68B0B537CAE0}" srcId="{80DC0281-4F0D-41D4-BEE9-11F313270707}" destId="{40562EE8-EE56-4D97-B7B7-E4B7CEFAB8C0}" srcOrd="4" destOrd="0" parTransId="{3250A86D-F9C0-4A7F-8FCC-39C34F391C6C}" sibTransId="{27DA07AF-ADC3-4F63-8797-EF6834A1E6CB}"/>
+    <dgm:cxn modelId="{CA1BF979-A505-4A4C-902B-5E5F082BD8A8}" type="presOf" srcId="{40562EE8-EE56-4D97-B7B7-E4B7CEFAB8C0}" destId="{957E6468-650A-4532-B5EE-A576A2A8783D}" srcOrd="0" destOrd="0" presId="urn:microsoft.com/office/officeart/2005/8/layout/vList2"/>
+    <dgm:cxn modelId="{28BD9BBA-B26D-457C-9866-0FAE645C4F4E}" type="presOf" srcId="{80DC0281-4F0D-41D4-BEE9-11F313270707}" destId="{2830CD19-2876-4B7B-BEF3-4A5A589707F8}" srcOrd="0" destOrd="0" presId="urn:microsoft.com/office/officeart/2005/8/layout/vList2"/>
     <dgm:cxn modelId="{D918C40D-4D54-4187-89A7-A6DC7B161975}" type="presOf" srcId="{F02FA1C3-158A-4BDC-85A0-44FCED13694A}" destId="{73900A90-E438-4A8F-8F5E-FFEC911C7CA0}" srcOrd="0" destOrd="0" presId="urn:microsoft.com/office/officeart/2005/8/layout/vList2"/>
     <dgm:cxn modelId="{646E8B2F-EF45-405C-9C40-DFBDEEF4C649}" type="presOf" srcId="{4AAFBE88-BADD-4F23-A58C-95C02C0C43A1}" destId="{9B1A5CBE-5D1D-4688-9105-CAD062F31BBF}" srcOrd="0" destOrd="0" presId="urn:microsoft.com/office/officeart/2005/8/layout/vList2"/>
-    <dgm:cxn modelId="{CA1BF979-A505-4A4C-902B-5E5F082BD8A8}" type="presOf" srcId="{40562EE8-EE56-4D97-B7B7-E4B7CEFAB8C0}" destId="{957E6468-650A-4532-B5EE-A576A2A8783D}" srcOrd="0" destOrd="0" presId="urn:microsoft.com/office/officeart/2005/8/layout/vList2"/>
-    <dgm:cxn modelId="{0E0EDA9C-6F2B-4EBB-8C6F-68B0B537CAE0}" srcId="{80DC0281-4F0D-41D4-BEE9-11F313270707}" destId="{40562EE8-EE56-4D97-B7B7-E4B7CEFAB8C0}" srcOrd="4" destOrd="0" parTransId="{3250A86D-F9C0-4A7F-8FCC-39C34F391C6C}" sibTransId="{27DA07AF-ADC3-4F63-8797-EF6834A1E6CB}"/>
-    <dgm:cxn modelId="{21DF2BA3-6D7D-405D-BB25-DB8620E3AAE4}" srcId="{80DC0281-4F0D-41D4-BEE9-11F313270707}" destId="{F02FA1C3-158A-4BDC-85A0-44FCED13694A}" srcOrd="0" destOrd="0" parTransId="{7741F6CB-5586-4AD3-AED7-C56584FFCB61}" sibTransId="{5B154557-072F-4A7A-B647-2F8670A763DC}"/>
-    <dgm:cxn modelId="{28BD9BBA-B26D-457C-9866-0FAE645C4F4E}" type="presOf" srcId="{80DC0281-4F0D-41D4-BEE9-11F313270707}" destId="{2830CD19-2876-4B7B-BEF3-4A5A589707F8}" srcOrd="0" destOrd="0" presId="urn:microsoft.com/office/officeart/2005/8/layout/vList2"/>
-    <dgm:cxn modelId="{AAB04FCC-F8C0-46CB-A1A5-A93CBB3B7072}" type="presOf" srcId="{FC2B2E16-4425-4FF6-9455-3A4066AACB76}" destId="{CD9D506F-4272-4361-B913-5225AE17A3F3}" srcOrd="0" destOrd="0" presId="urn:microsoft.com/office/officeart/2005/8/layout/vList2"/>
-    <dgm:cxn modelId="{D71EA7CF-98AF-4E9B-9297-0978AFDCB431}" type="presOf" srcId="{4E731D1F-2ECB-4646-B3AE-1F98F6CE78A9}" destId="{34F7D7A2-E966-4359-95D0-56CD308CFB34}" srcOrd="0" destOrd="0" presId="urn:microsoft.com/office/officeart/2005/8/layout/vList2"/>
-    <dgm:cxn modelId="{36AD99D1-42DF-49C7-A98C-85CFA04ED6B7}" type="presOf" srcId="{621B6E6C-73F7-4093-8CB6-C81E7F46777B}" destId="{F065E269-9DE2-4886-97B5-82C6BBDA1CE7}" srcOrd="0" destOrd="0" presId="urn:microsoft.com/office/officeart/2005/8/layout/vList2"/>
-    <dgm:cxn modelId="{142A6DD4-5219-49AF-BA3A-637F7B74C6DF}" srcId="{80DC0281-4F0D-41D4-BEE9-11F313270707}" destId="{FC2B2E16-4425-4FF6-9455-3A4066AACB76}" srcOrd="1" destOrd="0" parTransId="{C0D3AC49-2CB9-4784-91B2-8DB709E00666}" sibTransId="{AE910980-56B1-4BDC-8103-94EF8298AFA8}"/>
-    <dgm:cxn modelId="{CD30A4F0-A16E-4E70-AE57-872F5A0A0CF2}" srcId="{80DC0281-4F0D-41D4-BEE9-11F313270707}" destId="{621B6E6C-73F7-4093-8CB6-C81E7F46777B}" srcOrd="2" destOrd="0" parTransId="{B13D6C7D-1C41-4116-981F-E4A7DE6BA9E6}" sibTransId="{DF7C94BD-5107-436F-9A30-5C02F74EF55A}"/>
-    <dgm:cxn modelId="{C93039FB-3DC1-4214-BFE6-B1ADBCDEF5B4}" srcId="{80DC0281-4F0D-41D4-BEE9-11F313270707}" destId="{4E731D1F-2ECB-4646-B3AE-1F98F6CE78A9}" srcOrd="3" destOrd="0" parTransId="{976E5E7E-0122-46E7-A1C5-5B627BF086D3}" sibTransId="{06EA897F-95E5-43D8-8DD2-985CD57BDB03}"/>
     <dgm:cxn modelId="{90CED690-0039-4A9B-968C-8AA65CE6C370}" type="presParOf" srcId="{2830CD19-2876-4B7B-BEF3-4A5A589707F8}" destId="{73900A90-E438-4A8F-8F5E-FFEC911C7CA0}" srcOrd="0" destOrd="0" presId="urn:microsoft.com/office/officeart/2005/8/layout/vList2"/>
     <dgm:cxn modelId="{B8021583-20AE-4B16-B85D-0CD5A87ED783}" type="presParOf" srcId="{2830CD19-2876-4B7B-BEF3-4A5A589707F8}" destId="{6697897E-458B-49BC-9DD7-429111204DA6}" srcOrd="1" destOrd="0" presId="urn:microsoft.com/office/officeart/2005/8/layout/vList2"/>
     <dgm:cxn modelId="{145941C5-1797-4F90-B4C7-3ED8A0004E76}" type="presParOf" srcId="{2830CD19-2876-4B7B-BEF3-4A5A589707F8}" destId="{CD9D506F-4272-4361-B913-5225AE17A3F3}" srcOrd="2" destOrd="0" presId="urn:microsoft.com/office/officeart/2005/8/layout/vList2"/>
@@ -2236,6 +2285,13 @@
         </dgm:presLayoutVars>
       </dgm:prSet>
       <dgm:spPr/>
+      <dgm:t>
+        <a:bodyPr/>
+        <a:lstStyle/>
+        <a:p>
+          <a:endParaRPr lang="sk-SK"/>
+        </a:p>
+      </dgm:t>
     </dgm:pt>
     <dgm:pt modelId="{C57CA0D6-44CF-4687-97C7-91FA0D929AF7}" type="pres">
       <dgm:prSet presAssocID="{E2472CD4-DFC5-4A44-B9B3-490A1B3FEE05}" presName="thickLine" presStyleLbl="alignNode1" presStyleIdx="0" presStyleCnt="4"/>
@@ -2248,6 +2304,13 @@
     <dgm:pt modelId="{CB56FCCA-4F26-4E58-B012-74428BBD032B}" type="pres">
       <dgm:prSet presAssocID="{E2472CD4-DFC5-4A44-B9B3-490A1B3FEE05}" presName="tx1" presStyleLbl="revTx" presStyleIdx="0" presStyleCnt="4"/>
       <dgm:spPr/>
+      <dgm:t>
+        <a:bodyPr/>
+        <a:lstStyle/>
+        <a:p>
+          <a:endParaRPr lang="sk-SK"/>
+        </a:p>
+      </dgm:t>
     </dgm:pt>
     <dgm:pt modelId="{91CCB5A4-5678-4F1C-9A8A-9A4128E269DF}" type="pres">
       <dgm:prSet presAssocID="{E2472CD4-DFC5-4A44-B9B3-490A1B3FEE05}" presName="vert1" presStyleCnt="0"/>
@@ -2264,6 +2327,13 @@
     <dgm:pt modelId="{74235344-984E-46FA-B2FA-8F96C117726A}" type="pres">
       <dgm:prSet presAssocID="{644A9CD0-EDC9-461A-89D0-7FDF9CC83975}" presName="tx1" presStyleLbl="revTx" presStyleIdx="1" presStyleCnt="4"/>
       <dgm:spPr/>
+      <dgm:t>
+        <a:bodyPr/>
+        <a:lstStyle/>
+        <a:p>
+          <a:endParaRPr lang="sk-SK"/>
+        </a:p>
+      </dgm:t>
     </dgm:pt>
     <dgm:pt modelId="{0075A9FE-E5FB-4985-9CEC-BC457BB50396}" type="pres">
       <dgm:prSet presAssocID="{644A9CD0-EDC9-461A-89D0-7FDF9CC83975}" presName="vert1" presStyleCnt="0"/>
@@ -2280,6 +2350,13 @@
     <dgm:pt modelId="{6B0013BD-7674-43C2-A3C8-6DB181DB9C64}" type="pres">
       <dgm:prSet presAssocID="{404A2A9F-1BCD-417E-AEFA-E8E3FAB9F0F0}" presName="tx1" presStyleLbl="revTx" presStyleIdx="2" presStyleCnt="4"/>
       <dgm:spPr/>
+      <dgm:t>
+        <a:bodyPr/>
+        <a:lstStyle/>
+        <a:p>
+          <a:endParaRPr lang="sk-SK"/>
+        </a:p>
+      </dgm:t>
     </dgm:pt>
     <dgm:pt modelId="{5CB2BB8D-B09D-4D05-8B67-8C5B844BE43A}" type="pres">
       <dgm:prSet presAssocID="{404A2A9F-1BCD-417E-AEFA-E8E3FAB9F0F0}" presName="vert1" presStyleCnt="0"/>
@@ -2296,6 +2373,13 @@
     <dgm:pt modelId="{A2CABA88-EBC4-4BFF-9A39-77B0863A1950}" type="pres">
       <dgm:prSet presAssocID="{BF548074-40A6-4541-B49E-223B93EB3EFB}" presName="tx1" presStyleLbl="revTx" presStyleIdx="3" presStyleCnt="4"/>
       <dgm:spPr/>
+      <dgm:t>
+        <a:bodyPr/>
+        <a:lstStyle/>
+        <a:p>
+          <a:endParaRPr lang="sk-SK"/>
+        </a:p>
+      </dgm:t>
     </dgm:pt>
     <dgm:pt modelId="{0B702BC0-DE9E-4BE2-8F14-B13FAFF8E042}" type="pres">
       <dgm:prSet presAssocID="{BF548074-40A6-4541-B49E-223B93EB3EFB}" presName="vert1" presStyleCnt="0"/>
@@ -2303,15 +2387,15 @@
     </dgm:pt>
   </dgm:ptLst>
   <dgm:cxnLst>
+    <dgm:cxn modelId="{7B45AF4C-6F51-435A-A9A7-6631731EB11A}" srcId="{1F3E3064-139B-4C0D-9B7D-2E1F026A6296}" destId="{BF548074-40A6-4541-B49E-223B93EB3EFB}" srcOrd="3" destOrd="0" parTransId="{5A486A14-91F9-47B1-ABE1-E9A80F5AEE81}" sibTransId="{3BF2BA8E-32BA-47CF-A597-334CC779EA9C}"/>
     <dgm:cxn modelId="{09F61D68-2DFC-4D5B-A015-64EB3CEC883F}" type="presOf" srcId="{644A9CD0-EDC9-461A-89D0-7FDF9CC83975}" destId="{74235344-984E-46FA-B2FA-8F96C117726A}" srcOrd="0" destOrd="0" presId="urn:microsoft.com/office/officeart/2008/layout/LinedList"/>
-    <dgm:cxn modelId="{7B45AF4C-6F51-435A-A9A7-6631731EB11A}" srcId="{1F3E3064-139B-4C0D-9B7D-2E1F026A6296}" destId="{BF548074-40A6-4541-B49E-223B93EB3EFB}" srcOrd="3" destOrd="0" parTransId="{5A486A14-91F9-47B1-ABE1-E9A80F5AEE81}" sibTransId="{3BF2BA8E-32BA-47CF-A597-334CC779EA9C}"/>
-    <dgm:cxn modelId="{55AF3A54-5487-4332-8160-0CDDEC9F7BB2}" type="presOf" srcId="{BF548074-40A6-4541-B49E-223B93EB3EFB}" destId="{A2CABA88-EBC4-4BFF-9A39-77B0863A1950}" srcOrd="0" destOrd="0" presId="urn:microsoft.com/office/officeart/2008/layout/LinedList"/>
+    <dgm:cxn modelId="{538132DA-59AD-4FDC-B5F8-82F6D4F3208D}" srcId="{1F3E3064-139B-4C0D-9B7D-2E1F026A6296}" destId="{644A9CD0-EDC9-461A-89D0-7FDF9CC83975}" srcOrd="1" destOrd="0" parTransId="{E0C4768C-2676-4E2B-907D-B2A6B13D1F98}" sibTransId="{BAFF79D0-7EE8-4735-9FE2-0A39BFC297C1}"/>
+    <dgm:cxn modelId="{A62EF1B3-3752-4A6F-B0BD-29CE08B9C3F9}" type="presOf" srcId="{404A2A9F-1BCD-417E-AEFA-E8E3FAB9F0F0}" destId="{6B0013BD-7674-43C2-A3C8-6DB181DB9C64}" srcOrd="0" destOrd="0" presId="urn:microsoft.com/office/officeart/2008/layout/LinedList"/>
+    <dgm:cxn modelId="{E2FB5FF0-EE2C-449F-9DEF-F35BB19C289C}" type="presOf" srcId="{E2472CD4-DFC5-4A44-B9B3-490A1B3FEE05}" destId="{CB56FCCA-4F26-4E58-B012-74428BBD032B}" srcOrd="0" destOrd="0" presId="urn:microsoft.com/office/officeart/2008/layout/LinedList"/>
     <dgm:cxn modelId="{BC011998-4DBC-4BA2-A080-00C2A24EC853}" srcId="{1F3E3064-139B-4C0D-9B7D-2E1F026A6296}" destId="{404A2A9F-1BCD-417E-AEFA-E8E3FAB9F0F0}" srcOrd="2" destOrd="0" parTransId="{5057431E-9821-4654-B63C-B0CDD72CD5C1}" sibTransId="{2637916E-F407-4293-91A7-9FAFADF77389}"/>
     <dgm:cxn modelId="{C396B2B1-F8E7-4254-A0E9-03A82ED77229}" type="presOf" srcId="{1F3E3064-139B-4C0D-9B7D-2E1F026A6296}" destId="{032C011E-954A-485F-8B41-CD9997C11822}" srcOrd="0" destOrd="0" presId="urn:microsoft.com/office/officeart/2008/layout/LinedList"/>
-    <dgm:cxn modelId="{A62EF1B3-3752-4A6F-B0BD-29CE08B9C3F9}" type="presOf" srcId="{404A2A9F-1BCD-417E-AEFA-E8E3FAB9F0F0}" destId="{6B0013BD-7674-43C2-A3C8-6DB181DB9C64}" srcOrd="0" destOrd="0" presId="urn:microsoft.com/office/officeart/2008/layout/LinedList"/>
     <dgm:cxn modelId="{3AD5D9C6-F2CB-4C0C-A80E-CEBE085BC463}" srcId="{1F3E3064-139B-4C0D-9B7D-2E1F026A6296}" destId="{E2472CD4-DFC5-4A44-B9B3-490A1B3FEE05}" srcOrd="0" destOrd="0" parTransId="{3E3C3093-95E2-4CE9-957E-129D2882E485}" sibTransId="{15E1D76B-DF56-4618-A140-D482EC01426E}"/>
-    <dgm:cxn modelId="{538132DA-59AD-4FDC-B5F8-82F6D4F3208D}" srcId="{1F3E3064-139B-4C0D-9B7D-2E1F026A6296}" destId="{644A9CD0-EDC9-461A-89D0-7FDF9CC83975}" srcOrd="1" destOrd="0" parTransId="{E0C4768C-2676-4E2B-907D-B2A6B13D1F98}" sibTransId="{BAFF79D0-7EE8-4735-9FE2-0A39BFC297C1}"/>
-    <dgm:cxn modelId="{E2FB5FF0-EE2C-449F-9DEF-F35BB19C289C}" type="presOf" srcId="{E2472CD4-DFC5-4A44-B9B3-490A1B3FEE05}" destId="{CB56FCCA-4F26-4E58-B012-74428BBD032B}" srcOrd="0" destOrd="0" presId="urn:microsoft.com/office/officeart/2008/layout/LinedList"/>
+    <dgm:cxn modelId="{55AF3A54-5487-4332-8160-0CDDEC9F7BB2}" type="presOf" srcId="{BF548074-40A6-4541-B49E-223B93EB3EFB}" destId="{A2CABA88-EBC4-4BFF-9A39-77B0863A1950}" srcOrd="0" destOrd="0" presId="urn:microsoft.com/office/officeart/2008/layout/LinedList"/>
     <dgm:cxn modelId="{ECA3C030-0F28-42EA-AC5D-3B429D0D6783}" type="presParOf" srcId="{032C011E-954A-485F-8B41-CD9997C11822}" destId="{C57CA0D6-44CF-4687-97C7-91FA0D929AF7}" srcOrd="0" destOrd="0" presId="urn:microsoft.com/office/officeart/2008/layout/LinedList"/>
     <dgm:cxn modelId="{9BFDBD0B-A2EB-491F-B34C-6660FDD6BDF7}" type="presParOf" srcId="{032C011E-954A-485F-8B41-CD9997C11822}" destId="{18AEA2F1-7D3A-424E-9566-176E60A6D896}" srcOrd="1" destOrd="0" presId="urn:microsoft.com/office/officeart/2008/layout/LinedList"/>
     <dgm:cxn modelId="{BBDF6E3B-7D8C-4ACB-A151-4C2BFE3555EC}" type="presParOf" srcId="{18AEA2F1-7D3A-424E-9566-176E60A6D896}" destId="{CB56FCCA-4F26-4E58-B012-74428BBD032B}" srcOrd="0" destOrd="0" presId="urn:microsoft.com/office/officeart/2008/layout/LinedList"/>
@@ -2438,7 +2522,7 @@
         </a:bodyPr>
         <a:lstStyle/>
         <a:p>
-          <a:pPr marL="0" lvl="0" indent="0" algn="l" defTabSz="711200">
+          <a:pPr lvl="0" algn="l" defTabSz="711200">
             <a:lnSpc>
               <a:spcPct val="90000"/>
             </a:lnSpc>
@@ -2448,7 +2532,6 @@
             <a:spcAft>
               <a:spcPct val="35000"/>
             </a:spcAft>
-            <a:buNone/>
           </a:pPr>
           <a:r>
             <a:rPr lang="sk-SK" sz="1600" kern="1200" dirty="0"/>
@@ -2561,7 +2644,7 @@
         </a:bodyPr>
         <a:lstStyle/>
         <a:p>
-          <a:pPr marL="0" lvl="0" indent="0" algn="l" defTabSz="711200">
+          <a:pPr lvl="0" algn="l" defTabSz="711200">
             <a:lnSpc>
               <a:spcPct val="90000"/>
             </a:lnSpc>
@@ -2571,7 +2654,6 @@
             <a:spcAft>
               <a:spcPct val="35000"/>
             </a:spcAft>
-            <a:buNone/>
           </a:pPr>
           <a:r>
             <a:rPr lang="sk-SK" sz="1600" kern="1200" dirty="0"/>
@@ -2676,7 +2758,7 @@
         </a:bodyPr>
         <a:lstStyle/>
         <a:p>
-          <a:pPr marL="0" lvl="0" indent="0" algn="l" defTabSz="711200">
+          <a:pPr lvl="0" algn="l" defTabSz="711200">
             <a:lnSpc>
               <a:spcPct val="90000"/>
             </a:lnSpc>
@@ -2686,7 +2768,6 @@
             <a:spcAft>
               <a:spcPct val="35000"/>
             </a:spcAft>
-            <a:buNone/>
           </a:pPr>
           <a:r>
             <a:rPr lang="sk-SK" sz="1600" b="1" kern="1200" dirty="0"/>
@@ -2791,7 +2872,7 @@
         </a:bodyPr>
         <a:lstStyle/>
         <a:p>
-          <a:pPr marL="0" lvl="0" indent="0" algn="l" defTabSz="711200">
+          <a:pPr lvl="0" algn="l" defTabSz="711200">
             <a:lnSpc>
               <a:spcPct val="90000"/>
             </a:lnSpc>
@@ -2801,7 +2882,6 @@
             <a:spcAft>
               <a:spcPct val="35000"/>
             </a:spcAft>
-            <a:buNone/>
           </a:pPr>
           <a:r>
             <a:rPr lang="sk-SK" sz="1600" kern="1200" dirty="0"/>
@@ -2906,7 +2986,7 @@
         </a:bodyPr>
         <a:lstStyle/>
         <a:p>
-          <a:pPr marL="0" lvl="0" indent="0" algn="l" defTabSz="711200">
+          <a:pPr lvl="0" algn="l" defTabSz="711200">
             <a:lnSpc>
               <a:spcPct val="90000"/>
             </a:lnSpc>
@@ -2916,7 +2996,6 @@
             <a:spcAft>
               <a:spcPct val="35000"/>
             </a:spcAft>
-            <a:buNone/>
           </a:pPr>
           <a:r>
             <a:rPr lang="sk-SK" sz="1600" kern="1200" dirty="0"/>
@@ -3021,7 +3100,7 @@
         </a:bodyPr>
         <a:lstStyle/>
         <a:p>
-          <a:pPr marL="0" lvl="0" indent="0" algn="l" defTabSz="711200">
+          <a:pPr lvl="0" algn="l" defTabSz="711200">
             <a:lnSpc>
               <a:spcPct val="90000"/>
             </a:lnSpc>
@@ -3031,7 +3110,6 @@
             <a:spcAft>
               <a:spcPct val="35000"/>
             </a:spcAft>
-            <a:buNone/>
           </a:pPr>
           <a:r>
             <a:rPr lang="sk-SK" sz="1600" kern="1200" dirty="0"/>
@@ -3191,7 +3269,7 @@
         </a:bodyPr>
         <a:lstStyle/>
         <a:p>
-          <a:pPr marL="0" lvl="0" indent="0" algn="l" defTabSz="1066800">
+          <a:pPr lvl="0" algn="l" defTabSz="1066800">
             <a:lnSpc>
               <a:spcPct val="90000"/>
             </a:lnSpc>
@@ -3201,7 +3279,6 @@
             <a:spcAft>
               <a:spcPct val="35000"/>
             </a:spcAft>
-            <a:buNone/>
           </a:pPr>
           <a:r>
             <a:rPr lang="sk-SK" sz="2400" b="1" kern="1200" dirty="0"/>
@@ -3337,7 +3414,7 @@
         </a:bodyPr>
         <a:lstStyle/>
         <a:p>
-          <a:pPr marL="0" lvl="0" indent="0" algn="l" defTabSz="1066800">
+          <a:pPr lvl="0" algn="l" defTabSz="1066800">
             <a:lnSpc>
               <a:spcPct val="90000"/>
             </a:lnSpc>
@@ -3347,7 +3424,6 @@
             <a:spcAft>
               <a:spcPct val="35000"/>
             </a:spcAft>
-            <a:buNone/>
           </a:pPr>
           <a:r>
             <a:rPr lang="sk-SK" sz="2400" kern="1200" dirty="0"/>
@@ -3491,7 +3567,7 @@
         </a:bodyPr>
         <a:lstStyle/>
         <a:p>
-          <a:pPr marL="0" lvl="0" indent="0" algn="l" defTabSz="1066800">
+          <a:pPr lvl="0" algn="l" defTabSz="1066800">
             <a:lnSpc>
               <a:spcPct val="90000"/>
             </a:lnSpc>
@@ -3501,7 +3577,6 @@
             <a:spcAft>
               <a:spcPct val="35000"/>
             </a:spcAft>
-            <a:buNone/>
           </a:pPr>
           <a:r>
             <a:rPr lang="sk-SK" sz="2400" kern="1200" dirty="0"/>
@@ -3653,7 +3728,7 @@
         </a:bodyPr>
         <a:lstStyle/>
         <a:p>
-          <a:pPr marL="0" lvl="0" indent="0" algn="l" defTabSz="1066800">
+          <a:pPr lvl="0" algn="l" defTabSz="1066800">
             <a:lnSpc>
               <a:spcPct val="90000"/>
             </a:lnSpc>
@@ -3663,7 +3738,6 @@
             <a:spcAft>
               <a:spcPct val="35000"/>
             </a:spcAft>
-            <a:buNone/>
           </a:pPr>
           <a:r>
             <a:rPr lang="sk-SK" sz="2400" kern="1200" dirty="0"/>
@@ -6464,7 +6538,7 @@
           <a:p>
             <a:fld id="{3314F73F-028B-4B4B-85A7-51471E652240}" type="datetimeFigureOut">
               <a:rPr lang="sk-SK" smtClean="0"/>
-              <a:t>5. 9. 2021</a:t>
+              <a:t>30. 9. 2021</a:t>
             </a:fld>
             <a:endParaRPr lang="sk-SK"/>
           </a:p>
@@ -6949,7 +7023,7 @@
           <a:p>
             <a:fld id="{333A39A3-A35B-4EE5-BEC4-E182E1D24A88}" type="datetimeFigureOut">
               <a:rPr lang="sk-SK" smtClean="0"/>
-              <a:t>5. 9. 2021</a:t>
+              <a:t>30. 9. 2021</a:t>
             </a:fld>
             <a:endParaRPr lang="sk-SK"/>
           </a:p>
@@ -7236,7 +7310,7 @@
           <a:p>
             <a:fld id="{333A39A3-A35B-4EE5-BEC4-E182E1D24A88}" type="datetimeFigureOut">
               <a:rPr lang="sk-SK" smtClean="0"/>
-              <a:t>5. 9. 2021</a:t>
+              <a:t>30. 9. 2021</a:t>
             </a:fld>
             <a:endParaRPr lang="sk-SK"/>
           </a:p>
@@ -7428,7 +7502,7 @@
           <a:p>
             <a:fld id="{333A39A3-A35B-4EE5-BEC4-E182E1D24A88}" type="datetimeFigureOut">
               <a:rPr lang="sk-SK" smtClean="0"/>
-              <a:t>5. 9. 2021</a:t>
+              <a:t>30. 9. 2021</a:t>
             </a:fld>
             <a:endParaRPr lang="sk-SK"/>
           </a:p>
@@ -7689,7 +7763,7 @@
           <a:p>
             <a:fld id="{333A39A3-A35B-4EE5-BEC4-E182E1D24A88}" type="datetimeFigureOut">
               <a:rPr lang="sk-SK" smtClean="0"/>
-              <a:t>5. 9. 2021</a:t>
+              <a:t>30. 9. 2021</a:t>
             </a:fld>
             <a:endParaRPr lang="sk-SK"/>
           </a:p>
@@ -8113,7 +8187,7 @@
           <a:p>
             <a:fld id="{333A39A3-A35B-4EE5-BEC4-E182E1D24A88}" type="datetimeFigureOut">
               <a:rPr lang="sk-SK" smtClean="0"/>
-              <a:t>5. 9. 2021</a:t>
+              <a:t>30. 9. 2021</a:t>
             </a:fld>
             <a:endParaRPr lang="sk-SK"/>
           </a:p>
@@ -8659,7 +8733,7 @@
           <a:p>
             <a:fld id="{333A39A3-A35B-4EE5-BEC4-E182E1D24A88}" type="datetimeFigureOut">
               <a:rPr lang="sk-SK" smtClean="0"/>
-              <a:t>5. 9. 2021</a:t>
+              <a:t>30. 9. 2021</a:t>
             </a:fld>
             <a:endParaRPr lang="sk-SK"/>
           </a:p>
@@ -9499,7 +9573,7 @@
           <a:p>
             <a:fld id="{333A39A3-A35B-4EE5-BEC4-E182E1D24A88}" type="datetimeFigureOut">
               <a:rPr lang="sk-SK" smtClean="0"/>
-              <a:t>5. 9. 2021</a:t>
+              <a:t>30. 9. 2021</a:t>
             </a:fld>
             <a:endParaRPr lang="sk-SK"/>
           </a:p>
@@ -9669,7 +9743,7 @@
           <a:p>
             <a:fld id="{333A39A3-A35B-4EE5-BEC4-E182E1D24A88}" type="datetimeFigureOut">
               <a:rPr lang="sk-SK" smtClean="0"/>
-              <a:t>5. 9. 2021</a:t>
+              <a:t>30. 9. 2021</a:t>
             </a:fld>
             <a:endParaRPr lang="sk-SK"/>
           </a:p>
@@ -9853,7 +9927,7 @@
           <a:p>
             <a:fld id="{333A39A3-A35B-4EE5-BEC4-E182E1D24A88}" type="datetimeFigureOut">
               <a:rPr lang="sk-SK" smtClean="0"/>
-              <a:t>5. 9. 2021</a:t>
+              <a:t>30. 9. 2021</a:t>
             </a:fld>
             <a:endParaRPr lang="sk-SK"/>
           </a:p>
@@ -10023,7 +10097,7 @@
           <a:p>
             <a:fld id="{333A39A3-A35B-4EE5-BEC4-E182E1D24A88}" type="datetimeFigureOut">
               <a:rPr lang="sk-SK" smtClean="0"/>
-              <a:t>5. 9. 2021</a:t>
+              <a:t>30. 9. 2021</a:t>
             </a:fld>
             <a:endParaRPr lang="sk-SK"/>
           </a:p>
@@ -10271,7 +10345,7 @@
           <a:p>
             <a:fld id="{333A39A3-A35B-4EE5-BEC4-E182E1D24A88}" type="datetimeFigureOut">
               <a:rPr lang="sk-SK" smtClean="0"/>
-              <a:t>5. 9. 2021</a:t>
+              <a:t>30. 9. 2021</a:t>
             </a:fld>
             <a:endParaRPr lang="sk-SK"/>
           </a:p>
@@ -10508,7 +10582,7 @@
           <a:p>
             <a:fld id="{333A39A3-A35B-4EE5-BEC4-E182E1D24A88}" type="datetimeFigureOut">
               <a:rPr lang="sk-SK" smtClean="0"/>
-              <a:t>5. 9. 2021</a:t>
+              <a:t>30. 9. 2021</a:t>
             </a:fld>
             <a:endParaRPr lang="sk-SK"/>
           </a:p>
@@ -10881,7 +10955,7 @@
           <a:p>
             <a:fld id="{333A39A3-A35B-4EE5-BEC4-E182E1D24A88}" type="datetimeFigureOut">
               <a:rPr lang="sk-SK" smtClean="0"/>
-              <a:t>5. 9. 2021</a:t>
+              <a:t>30. 9. 2021</a:t>
             </a:fld>
             <a:endParaRPr lang="sk-SK"/>
           </a:p>
@@ -10999,7 +11073,7 @@
           <a:p>
             <a:fld id="{333A39A3-A35B-4EE5-BEC4-E182E1D24A88}" type="datetimeFigureOut">
               <a:rPr lang="sk-SK" smtClean="0"/>
-              <a:t>5. 9. 2021</a:t>
+              <a:t>30. 9. 2021</a:t>
             </a:fld>
             <a:endParaRPr lang="sk-SK"/>
           </a:p>
@@ -11094,7 +11168,7 @@
           <a:p>
             <a:fld id="{333A39A3-A35B-4EE5-BEC4-E182E1D24A88}" type="datetimeFigureOut">
               <a:rPr lang="sk-SK" smtClean="0"/>
-              <a:t>5. 9. 2021</a:t>
+              <a:t>30. 9. 2021</a:t>
             </a:fld>
             <a:endParaRPr lang="sk-SK"/>
           </a:p>
@@ -11345,7 +11419,7 @@
           <a:p>
             <a:fld id="{333A39A3-A35B-4EE5-BEC4-E182E1D24A88}" type="datetimeFigureOut">
               <a:rPr lang="sk-SK" smtClean="0"/>
-              <a:t>5. 9. 2021</a:t>
+              <a:t>30. 9. 2021</a:t>
             </a:fld>
             <a:endParaRPr lang="sk-SK"/>
           </a:p>
@@ -11632,7 +11706,7 @@
           <a:p>
             <a:fld id="{333A39A3-A35B-4EE5-BEC4-E182E1D24A88}" type="datetimeFigureOut">
               <a:rPr lang="sk-SK" smtClean="0"/>
-              <a:t>5. 9. 2021</a:t>
+              <a:t>30. 9. 2021</a:t>
             </a:fld>
             <a:endParaRPr lang="sk-SK"/>
           </a:p>
@@ -11845,7 +11919,7 @@
           <a:p>
             <a:fld id="{333A39A3-A35B-4EE5-BEC4-E182E1D24A88}" type="datetimeFigureOut">
               <a:rPr lang="sk-SK" smtClean="0"/>
-              <a:t>5. 9. 2021</a:t>
+              <a:t>30. 9. 2021</a:t>
             </a:fld>
             <a:endParaRPr lang="sk-SK"/>
           </a:p>
@@ -12356,7 +12430,7 @@
                 <a16:creationId xmlns:a16="http://schemas.microsoft.com/office/drawing/2014/main" id="{3EE6EA0B-C562-460F-AF05-4E9EAEAD635D}"/>
               </a:ext>
               <a:ext uri="{C183D7F6-B498-43B3-948B-1728B52AA6E4}">
-                <adec:decorative xmlns:adec="http://schemas.microsoft.com/office/drawing/2017/decorative" val="1"/>
+                <adec:decorative xmlns:adec="http://schemas.microsoft.com/office/drawing/2017/decorative" xmlns="" val="1"/>
               </a:ext>
             </a:extLst>
           </p:cNvPr>
@@ -12437,9 +12511,17 @@
           <a:lstStyle/>
           <a:p>
             <a:pPr algn="r"/>
+            <a:r>
+              <a:rPr lang="sk-SK" sz="3700" dirty="0"/>
+              <a:t/>
+            </a:r>
             <a:br>
               <a:rPr lang="sk-SK" sz="3700" dirty="0"/>
             </a:br>
+            <a:r>
+              <a:rPr lang="sk-SK" sz="3700" dirty="0"/>
+              <a:t/>
+            </a:r>
             <a:br>
               <a:rPr lang="sk-SK" sz="3700" dirty="0"/>
             </a:br>
@@ -12618,7 +12700,7 @@
                 <a16:creationId xmlns:a16="http://schemas.microsoft.com/office/drawing/2014/main" id="{3BFBA67F-0D4D-4C2E-A1D7-82D080A4B3AD}"/>
               </a:ext>
               <a:ext uri="{C183D7F6-B498-43B3-948B-1728B52AA6E4}">
-                <adec:decorative xmlns:adec="http://schemas.microsoft.com/office/drawing/2017/decorative" val="1"/>
+                <adec:decorative xmlns:adec="http://schemas.microsoft.com/office/drawing/2017/decorative" xmlns="" val="1"/>
               </a:ext>
             </a:extLst>
           </p:cNvPr>
@@ -12713,7 +12795,7 @@
                 <a16:creationId xmlns:a16="http://schemas.microsoft.com/office/drawing/2014/main" id="{EFA2AC96-1E47-421C-A03F-F98E354EB4E6}"/>
               </a:ext>
               <a:ext uri="{C183D7F6-B498-43B3-948B-1728B52AA6E4}">
-                <adec:decorative xmlns:adec="http://schemas.microsoft.com/office/drawing/2017/decorative" val="1"/>
+                <adec:decorative xmlns:adec="http://schemas.microsoft.com/office/drawing/2017/decorative" xmlns="" val="1"/>
               </a:ext>
             </a:extLst>
           </p:cNvPr>
@@ -13061,7 +13143,7 @@
                 <a16:creationId xmlns:a16="http://schemas.microsoft.com/office/drawing/2014/main" id="{B2ADCE7A-5E56-4C8E-B245-E2EEDA79C7E1}"/>
               </a:ext>
               <a:ext uri="{C183D7F6-B498-43B3-948B-1728B52AA6E4}">
-                <adec:decorative xmlns:adec="http://schemas.microsoft.com/office/drawing/2017/decorative" val="1"/>
+                <adec:decorative xmlns:adec="http://schemas.microsoft.com/office/drawing/2017/decorative" xmlns="" val="1"/>
               </a:ext>
             </a:extLst>
           </p:cNvPr>
@@ -13181,7 +13263,7 @@
                 <a16:creationId xmlns:a16="http://schemas.microsoft.com/office/drawing/2014/main" id="{027A2F77-6BCE-423F-9C06-5D6A1FFE4EC1}"/>
               </a:ext>
               <a:ext uri="{C183D7F6-B498-43B3-948B-1728B52AA6E4}">
-                <adec:decorative xmlns:adec="http://schemas.microsoft.com/office/drawing/2017/decorative" val="1"/>
+                <adec:decorative xmlns:adec="http://schemas.microsoft.com/office/drawing/2017/decorative" xmlns="" val="1"/>
               </a:ext>
             </a:extLst>
           </p:cNvPr>
@@ -13301,7 +13383,7 @@
                 <a16:creationId xmlns:a16="http://schemas.microsoft.com/office/drawing/2014/main" id="{20CB201F-BC0A-4D22-B7C7-230F82F61B93}"/>
               </a:ext>
               <a:ext uri="{C183D7F6-B498-43B3-948B-1728B52AA6E4}">
-                <adec:decorative xmlns:adec="http://schemas.microsoft.com/office/drawing/2017/decorative" val="1"/>
+                <adec:decorative xmlns:adec="http://schemas.microsoft.com/office/drawing/2017/decorative" xmlns="" val="1"/>
               </a:ext>
             </a:extLst>
           </p:cNvPr>
@@ -13601,7 +13683,7 @@
                 <a16:creationId xmlns:a16="http://schemas.microsoft.com/office/drawing/2014/main" id="{BC052280-388E-4151-A1EB-5236D4FCCA28}"/>
               </a:ext>
               <a:ext uri="{C183D7F6-B498-43B3-948B-1728B52AA6E4}">
-                <adec:decorative xmlns:adec="http://schemas.microsoft.com/office/drawing/2017/decorative" val="1"/>
+                <adec:decorative xmlns:adec="http://schemas.microsoft.com/office/drawing/2017/decorative" xmlns="" val="1"/>
               </a:ext>
             </a:extLst>
           </p:cNvPr>
@@ -13703,7 +13785,7 @@
                 <a16:creationId xmlns:a16="http://schemas.microsoft.com/office/drawing/2014/main" id="{744251C3-E720-4363-8AF0-20AD319374F0}"/>
               </a:ext>
               <a:ext uri="{C183D7F6-B498-43B3-948B-1728B52AA6E4}">
-                <adec:decorative xmlns:adec="http://schemas.microsoft.com/office/drawing/2017/decorative" val="1"/>
+                <adec:decorative xmlns:adec="http://schemas.microsoft.com/office/drawing/2017/decorative" xmlns="" val="1"/>
               </a:ext>
             </a:extLst>
           </p:cNvPr>
@@ -13850,7 +13932,7 @@
                 <a16:creationId xmlns:a16="http://schemas.microsoft.com/office/drawing/2014/main" id="{BC052280-388E-4151-A1EB-5236D4FCCA28}"/>
               </a:ext>
               <a:ext uri="{C183D7F6-B498-43B3-948B-1728B52AA6E4}">
-                <adec:decorative xmlns:adec="http://schemas.microsoft.com/office/drawing/2017/decorative" val="1"/>
+                <adec:decorative xmlns:adec="http://schemas.microsoft.com/office/drawing/2017/decorative" xmlns="" val="1"/>
               </a:ext>
             </a:extLst>
           </p:cNvPr>
@@ -13934,13 +14016,18 @@
               <a:rPr lang="sk-SK" sz="3100" dirty="0"/>
               <a:t>Cvičenie 2. (výmena obsahu premenných)</a:t>
             </a:r>
+            <a:r>
+              <a:rPr lang="sk-SK" sz="3100"/>
+              <a:t/>
+            </a:r>
             <a:br>
-              <a:rPr lang="sk-SK" sz="3100" dirty="0"/>
+              <a:rPr lang="sk-SK" sz="3100"/>
             </a:br>
             <a:r>
-              <a:rPr lang="sk-SK" sz="3100" dirty="0"/>
-              <a:t>3b</a:t>
-            </a:r>
+              <a:rPr lang="sk-SK" sz="3100" smtClean="0"/>
+              <a:t>2b</a:t>
+            </a:r>
+            <a:endParaRPr lang="sk-SK" sz="3100" dirty="0"/>
           </a:p>
         </p:txBody>
       </p:sp>
@@ -13952,7 +14039,7 @@
                 <a16:creationId xmlns:a16="http://schemas.microsoft.com/office/drawing/2014/main" id="{744251C3-E720-4363-8AF0-20AD319374F0}"/>
               </a:ext>
               <a:ext uri="{C183D7F6-B498-43B3-948B-1728B52AA6E4}">
-                <adec:decorative xmlns:adec="http://schemas.microsoft.com/office/drawing/2017/decorative" val="1"/>
+                <adec:decorative xmlns:adec="http://schemas.microsoft.com/office/drawing/2017/decorative" xmlns="" val="1"/>
               </a:ext>
             </a:extLst>
           </p:cNvPr>
@@ -14078,7 +14165,7 @@
           <p:nvPr/>
         </p:nvPicPr>
         <p:blipFill>
-          <a:blip r:embed="rId3">
+          <a:blip r:embed="rId3" cstate="hqprint">
             <a:extLst>
               <a:ext uri="{28A0092B-C50C-407E-A947-70E740481C1C}">
                 <a14:useLocalDpi xmlns:a14="http://schemas.microsoft.com/office/drawing/2010/main" val="0"/>
@@ -14170,7 +14257,7 @@
                 <a16:creationId xmlns:a16="http://schemas.microsoft.com/office/drawing/2014/main" id="{BC052280-388E-4151-A1EB-5236D4FCCA28}"/>
               </a:ext>
               <a:ext uri="{C183D7F6-B498-43B3-948B-1728B52AA6E4}">
-                <adec:decorative xmlns:adec="http://schemas.microsoft.com/office/drawing/2017/decorative" val="1"/>
+                <adec:decorative xmlns:adec="http://schemas.microsoft.com/office/drawing/2017/decorative" xmlns="" val="1"/>
               </a:ext>
             </a:extLst>
           </p:cNvPr>
@@ -14254,6 +14341,10 @@
               <a:rPr lang="sk-SK" sz="2600" dirty="0"/>
               <a:t>Cvičenie 3. (Pretypovanie, konštanta, Datove typy)</a:t>
             </a:r>
+            <a:r>
+              <a:rPr lang="sk-SK" sz="2600"/>
+              <a:t/>
+            </a:r>
             <a:br>
               <a:rPr lang="sk-SK" sz="2600"/>
             </a:br>
@@ -14273,7 +14364,7 @@
                 <a16:creationId xmlns:a16="http://schemas.microsoft.com/office/drawing/2014/main" id="{744251C3-E720-4363-8AF0-20AD319374F0}"/>
               </a:ext>
               <a:ext uri="{C183D7F6-B498-43B3-948B-1728B52AA6E4}">
-                <adec:decorative xmlns:adec="http://schemas.microsoft.com/office/drawing/2017/decorative" val="1"/>
+                <adec:decorative xmlns:adec="http://schemas.microsoft.com/office/drawing/2017/decorative" xmlns="" val="1"/>
               </a:ext>
             </a:extLst>
           </p:cNvPr>
@@ -14644,7 +14735,7 @@
                 <a16:creationId xmlns:a16="http://schemas.microsoft.com/office/drawing/2014/main" id="{46DBB1A9-22FF-46E7-97B9-AE54774753DD}"/>
               </a:ext>
               <a:ext uri="{C183D7F6-B498-43B3-948B-1728B52AA6E4}">
-                <adec:decorative xmlns:adec="http://schemas.microsoft.com/office/drawing/2017/decorative" val="1"/>
+                <adec:decorative xmlns:adec="http://schemas.microsoft.com/office/drawing/2017/decorative" xmlns="" val="1"/>
               </a:ext>
             </a:extLst>
           </p:cNvPr>
@@ -14740,7 +14831,7 @@
                 <a16:creationId xmlns:a16="http://schemas.microsoft.com/office/drawing/2014/main" id="{3A1AAD47-56AD-4EE6-A88C-981D060DC2D6}"/>
               </a:ext>
               <a:ext uri="{C183D7F6-B498-43B3-948B-1728B52AA6E4}">
-                <adec:decorative xmlns:adec="http://schemas.microsoft.com/office/drawing/2017/decorative" val="1"/>
+                <adec:decorative xmlns:adec="http://schemas.microsoft.com/office/drawing/2017/decorative" xmlns="" val="1"/>
               </a:ext>
             </a:extLst>
           </p:cNvPr>
@@ -15013,7 +15104,7 @@
                 <a16:creationId xmlns:a16="http://schemas.microsoft.com/office/drawing/2014/main" id="{B1007713-5891-46A9-BACA-FAD760FE2353}"/>
               </a:ext>
               <a:ext uri="{C183D7F6-B498-43B3-948B-1728B52AA6E4}">
-                <adec:decorative xmlns:adec="http://schemas.microsoft.com/office/drawing/2017/decorative" val="1"/>
+                <adec:decorative xmlns:adec="http://schemas.microsoft.com/office/drawing/2017/decorative" xmlns="" val="1"/>
               </a:ext>
             </a:extLst>
           </p:cNvPr>
@@ -15099,7 +15190,7 @@
                 <a16:creationId xmlns:a16="http://schemas.microsoft.com/office/drawing/2014/main" id="{74BB6AA7-7EAD-4D3B-9335-B6E8BD7E6891}"/>
               </a:ext>
               <a:ext uri="{C183D7F6-B498-43B3-948B-1728B52AA6E4}">
-                <adec:decorative xmlns:adec="http://schemas.microsoft.com/office/drawing/2017/decorative" val="1"/>
+                <adec:decorative xmlns:adec="http://schemas.microsoft.com/office/drawing/2017/decorative" xmlns="" val="1"/>
               </a:ext>
             </a:extLst>
           </p:cNvPr>
@@ -15290,7 +15381,7 @@
                 <a16:creationId xmlns:a16="http://schemas.microsoft.com/office/drawing/2014/main" id="{4DE0D6BE-330A-422D-9BD9-1E18F73C6E1E}"/>
               </a:ext>
               <a:ext uri="{C183D7F6-B498-43B3-948B-1728B52AA6E4}">
-                <adec:decorative xmlns:adec="http://schemas.microsoft.com/office/drawing/2017/decorative" val="1"/>
+                <adec:decorative xmlns:adec="http://schemas.microsoft.com/office/drawing/2017/decorative" xmlns="" val="1"/>
               </a:ext>
             </a:extLst>
           </p:cNvPr>
@@ -15892,7 +15983,7 @@
                 <a16:creationId xmlns:a16="http://schemas.microsoft.com/office/drawing/2014/main" id="{3BFBA67F-0D4D-4C2E-A1D7-82D080A4B3AD}"/>
               </a:ext>
               <a:ext uri="{C183D7F6-B498-43B3-948B-1728B52AA6E4}">
-                <adec:decorative xmlns:adec="http://schemas.microsoft.com/office/drawing/2017/decorative" val="1"/>
+                <adec:decorative xmlns:adec="http://schemas.microsoft.com/office/drawing/2017/decorative" xmlns="" val="1"/>
               </a:ext>
             </a:extLst>
           </p:cNvPr>
@@ -15987,7 +16078,7 @@
                 <a16:creationId xmlns:a16="http://schemas.microsoft.com/office/drawing/2014/main" id="{EFA2AC96-1E47-421C-A03F-F98E354EB4E6}"/>
               </a:ext>
               <a:ext uri="{C183D7F6-B498-43B3-948B-1728B52AA6E4}">
-                <adec:decorative xmlns:adec="http://schemas.microsoft.com/office/drawing/2017/decorative" val="1"/>
+                <adec:decorative xmlns:adec="http://schemas.microsoft.com/office/drawing/2017/decorative" xmlns="" val="1"/>
               </a:ext>
             </a:extLst>
           </p:cNvPr>
